--- a/ppt/테스트 시나리오.pptx
+++ b/ppt/테스트 시나리오.pptx
@@ -214,7 +214,7 @@
           <a:p>
             <a:fld id="{2E0810E1-330C-471B-B1C6-86BE8659BC48}" type="datetimeFigureOut">
               <a:rPr lang="ko-KR" altLang="en-US" smtClean="0"/>
-              <a:t>2024-07-01</a:t>
+              <a:t>2024-07-02</a:t>
             </a:fld>
             <a:endParaRPr lang="ko-KR" altLang="en-US"/>
           </a:p>
@@ -628,7 +628,7 @@
           <a:p>
             <a:fld id="{E86E7649-CCE4-42EE-81F9-40C1E9625764}" type="datetimeFigureOut">
               <a:rPr lang="ko-KR" altLang="en-US" smtClean="0"/>
-              <a:t>2024-07-01</a:t>
+              <a:t>2024-07-02</a:t>
             </a:fld>
             <a:endParaRPr lang="ko-KR" altLang="en-US"/>
           </a:p>
@@ -826,7 +826,7 @@
           <a:p>
             <a:fld id="{E86E7649-CCE4-42EE-81F9-40C1E9625764}" type="datetimeFigureOut">
               <a:rPr lang="ko-KR" altLang="en-US" smtClean="0"/>
-              <a:t>2024-07-01</a:t>
+              <a:t>2024-07-02</a:t>
             </a:fld>
             <a:endParaRPr lang="ko-KR" altLang="en-US"/>
           </a:p>
@@ -1034,7 +1034,7 @@
           <a:p>
             <a:fld id="{E86E7649-CCE4-42EE-81F9-40C1E9625764}" type="datetimeFigureOut">
               <a:rPr lang="ko-KR" altLang="en-US" smtClean="0"/>
-              <a:t>2024-07-01</a:t>
+              <a:t>2024-07-02</a:t>
             </a:fld>
             <a:endParaRPr lang="ko-KR" altLang="en-US"/>
           </a:p>
@@ -1232,7 +1232,7 @@
           <a:p>
             <a:fld id="{E86E7649-CCE4-42EE-81F9-40C1E9625764}" type="datetimeFigureOut">
               <a:rPr lang="ko-KR" altLang="en-US" smtClean="0"/>
-              <a:t>2024-07-01</a:t>
+              <a:t>2024-07-02</a:t>
             </a:fld>
             <a:endParaRPr lang="ko-KR" altLang="en-US"/>
           </a:p>
@@ -1507,7 +1507,7 @@
           <a:p>
             <a:fld id="{E86E7649-CCE4-42EE-81F9-40C1E9625764}" type="datetimeFigureOut">
               <a:rPr lang="ko-KR" altLang="en-US" smtClean="0"/>
-              <a:t>2024-07-01</a:t>
+              <a:t>2024-07-02</a:t>
             </a:fld>
             <a:endParaRPr lang="ko-KR" altLang="en-US"/>
           </a:p>
@@ -1772,7 +1772,7 @@
           <a:p>
             <a:fld id="{E86E7649-CCE4-42EE-81F9-40C1E9625764}" type="datetimeFigureOut">
               <a:rPr lang="ko-KR" altLang="en-US" smtClean="0"/>
-              <a:t>2024-07-01</a:t>
+              <a:t>2024-07-02</a:t>
             </a:fld>
             <a:endParaRPr lang="ko-KR" altLang="en-US"/>
           </a:p>
@@ -2184,7 +2184,7 @@
           <a:p>
             <a:fld id="{E86E7649-CCE4-42EE-81F9-40C1E9625764}" type="datetimeFigureOut">
               <a:rPr lang="ko-KR" altLang="en-US" smtClean="0"/>
-              <a:t>2024-07-01</a:t>
+              <a:t>2024-07-02</a:t>
             </a:fld>
             <a:endParaRPr lang="ko-KR" altLang="en-US"/>
           </a:p>
@@ -2325,7 +2325,7 @@
           <a:p>
             <a:fld id="{E86E7649-CCE4-42EE-81F9-40C1E9625764}" type="datetimeFigureOut">
               <a:rPr lang="ko-KR" altLang="en-US" smtClean="0"/>
-              <a:t>2024-07-01</a:t>
+              <a:t>2024-07-02</a:t>
             </a:fld>
             <a:endParaRPr lang="ko-KR" altLang="en-US"/>
           </a:p>
@@ -2438,7 +2438,7 @@
           <a:p>
             <a:fld id="{E86E7649-CCE4-42EE-81F9-40C1E9625764}" type="datetimeFigureOut">
               <a:rPr lang="ko-KR" altLang="en-US" smtClean="0"/>
-              <a:t>2024-07-01</a:t>
+              <a:t>2024-07-02</a:t>
             </a:fld>
             <a:endParaRPr lang="ko-KR" altLang="en-US"/>
           </a:p>
@@ -2749,7 +2749,7 @@
           <a:p>
             <a:fld id="{E86E7649-CCE4-42EE-81F9-40C1E9625764}" type="datetimeFigureOut">
               <a:rPr lang="ko-KR" altLang="en-US" smtClean="0"/>
-              <a:t>2024-07-01</a:t>
+              <a:t>2024-07-02</a:t>
             </a:fld>
             <a:endParaRPr lang="ko-KR" altLang="en-US"/>
           </a:p>
@@ -3037,7 +3037,7 @@
           <a:p>
             <a:fld id="{E86E7649-CCE4-42EE-81F9-40C1E9625764}" type="datetimeFigureOut">
               <a:rPr lang="ko-KR" altLang="en-US" smtClean="0"/>
-              <a:t>2024-07-01</a:t>
+              <a:t>2024-07-02</a:t>
             </a:fld>
             <a:endParaRPr lang="ko-KR" altLang="en-US"/>
           </a:p>
@@ -3278,7 +3278,7 @@
           <a:p>
             <a:fld id="{E86E7649-CCE4-42EE-81F9-40C1E9625764}" type="datetimeFigureOut">
               <a:rPr lang="ko-KR" altLang="en-US" smtClean="0"/>
-              <a:t>2024-07-01</a:t>
+              <a:t>2024-07-02</a:t>
             </a:fld>
             <a:endParaRPr lang="ko-KR" altLang="en-US"/>
           </a:p>
@@ -3710,14 +3710,14 @@
           <p:nvPr>
             <p:extLst>
               <p:ext uri="{D42A27DB-BD31-4B8C-83A1-F6EECF244321}">
-                <p14:modId xmlns:p14="http://schemas.microsoft.com/office/powerpoint/2010/main" val="765174017"/>
+                <p14:modId xmlns:p14="http://schemas.microsoft.com/office/powerpoint/2010/main" val="1640665136"/>
               </p:ext>
             </p:extLst>
           </p:nvPr>
         </p:nvGraphicFramePr>
         <p:xfrm>
           <a:off x="308321" y="1310489"/>
-          <a:ext cx="11016905" cy="4053840"/>
+          <a:ext cx="11016905" cy="4495800"/>
         </p:xfrm>
         <a:graphic>
           <a:graphicData uri="http://schemas.openxmlformats.org/drawingml/2006/table">
@@ -3726,28 +3726,35 @@
                 <a:tableStyleId>{5C22544A-7EE6-4342-B048-85BDC9FD1C3A}</a:tableStyleId>
               </a:tblPr>
               <a:tblGrid>
-                <a:gridCol w="1987023">
+                <a:gridCol w="1404365">
                   <a:extLst>
                     <a:ext uri="{9D8B030D-6E8A-4147-A177-3AD203B41FA5}">
                       <a16:colId xmlns:a16="http://schemas.microsoft.com/office/drawing/2014/main" val="94301535"/>
                     </a:ext>
                   </a:extLst>
                 </a:gridCol>
-                <a:gridCol w="4035702">
+                <a:gridCol w="2322285">
                   <a:extLst>
                     <a:ext uri="{9D8B030D-6E8A-4147-A177-3AD203B41FA5}">
                       <a16:colId xmlns:a16="http://schemas.microsoft.com/office/drawing/2014/main" val="3041877668"/>
                     </a:ext>
                   </a:extLst>
                 </a:gridCol>
-                <a:gridCol w="4002771">
+                <a:gridCol w="3614058">
                   <a:extLst>
                     <a:ext uri="{9D8B030D-6E8A-4147-A177-3AD203B41FA5}">
                       <a16:colId xmlns:a16="http://schemas.microsoft.com/office/drawing/2014/main" val="3150416827"/>
                     </a:ext>
                   </a:extLst>
                 </a:gridCol>
-                <a:gridCol w="991409">
+                <a:gridCol w="2467428">
+                  <a:extLst>
+                    <a:ext uri="{9D8B030D-6E8A-4147-A177-3AD203B41FA5}">
+                      <a16:colId xmlns:a16="http://schemas.microsoft.com/office/drawing/2014/main" val="1094821417"/>
+                    </a:ext>
+                  </a:extLst>
+                </a:gridCol>
+                <a:gridCol w="1208769">
                   <a:extLst>
                     <a:ext uri="{9D8B030D-6E8A-4147-A177-3AD203B41FA5}">
                       <a16:colId xmlns:a16="http://schemas.microsoft.com/office/drawing/2014/main" val="2337665621"/>
@@ -3793,6 +3800,20 @@
                       <a:r>
                         <a:rPr lang="ko-KR" altLang="en-US" sz="1200" dirty="0"/>
                         <a:t>소분류</a:t>
+                      </a:r>
+                    </a:p>
+                  </a:txBody>
+                  <a:tcPr anchor="ctr"/>
+                </a:tc>
+                <a:tc>
+                  <a:txBody>
+                    <a:bodyPr/>
+                    <a:lstStyle/>
+                    <a:p>
+                      <a:pPr latinLnBrk="1"/>
+                      <a:r>
+                        <a:rPr lang="ko-KR" altLang="en-US" sz="1200" dirty="0"/>
+                        <a:t>예상결과</a:t>
                       </a:r>
                     </a:p>
                   </a:txBody>
@@ -3983,6 +4004,21 @@
                         <a:effectLst/>
                         <a:latin typeface="-apple-system"/>
                       </a:endParaRPr>
+                    </a:p>
+                  </a:txBody>
+                  <a:tcPr anchor="ctr"/>
+                </a:tc>
+                <a:tc>
+                  <a:txBody>
+                    <a:bodyPr/>
+                    <a:lstStyle/>
+                    <a:p>
+                      <a:pPr latinLnBrk="1"/>
+                      <a:r>
+                        <a:rPr lang="en-US" altLang="ko-KR" sz="1200" dirty="0"/>
+                        <a:t> SERVER ERROR, status=500</a:t>
+                      </a:r>
+                      <a:endParaRPr lang="ko-KR" altLang="en-US" sz="1200" dirty="0"/>
                     </a:p>
                   </a:txBody>
                   <a:tcPr anchor="ctr"/>
@@ -4268,6 +4304,17 @@
                   </a:txBody>
                   <a:tcPr anchor="ctr"/>
                 </a:tc>
+                <a:tc>
+                  <a:txBody>
+                    <a:bodyPr/>
+                    <a:lstStyle/>
+                    <a:p>
+                      <a:pPr latinLnBrk="1"/>
+                      <a:endParaRPr lang="ko-KR" altLang="en-US" sz="1200" dirty="0"/>
+                    </a:p>
+                  </a:txBody>
+                  <a:tcPr anchor="ctr"/>
+                </a:tc>
                 <a:extLst>
                   <a:ext uri="{0D108BD9-81ED-4DB2-BD59-A6C34878D82A}">
                     <a16:rowId xmlns:a16="http://schemas.microsoft.com/office/drawing/2014/main" val="2894502196"/>
@@ -4333,7 +4380,30 @@
                           <a:ea typeface="+mn-ea"/>
                           <a:cs typeface="+mn-cs"/>
                         </a:rPr>
-                        <a:t>접속 </a:t>
+                        <a:t>접속</a:t>
+                      </a:r>
+                      <a:br>
+                        <a:rPr lang="en-US" altLang="ko-KR" sz="1200" b="0" i="0" kern="1200" dirty="0">
+                          <a:solidFill>
+                            <a:schemeClr val="dk1"/>
+                          </a:solidFill>
+                          <a:effectLst/>
+                          <a:latin typeface="+mn-lt"/>
+                          <a:ea typeface="+mn-ea"/>
+                          <a:cs typeface="+mn-cs"/>
+                        </a:rPr>
+                      </a:br>
+                      <a:r>
+                        <a:rPr lang="ko-KR" altLang="sv-SE" sz="1200" b="0" i="0" kern="1200" dirty="0">
+                          <a:solidFill>
+                            <a:schemeClr val="dk1"/>
+                          </a:solidFill>
+                          <a:effectLst/>
+                          <a:latin typeface="+mn-lt"/>
+                          <a:ea typeface="+mn-ea"/>
+                          <a:cs typeface="+mn-cs"/>
+                        </a:rPr>
+                        <a:t> </a:t>
                       </a:r>
                       <a:r>
                         <a:rPr lang="en-US" altLang="ko-KR" sz="1200" b="0" i="0" kern="1200" dirty="0">
@@ -4534,6 +4604,36 @@
                         <a:ea typeface="+mn-ea"/>
                         <a:cs typeface="+mn-cs"/>
                       </a:endParaRPr>
+                    </a:p>
+                  </a:txBody>
+                  <a:tcPr anchor="ctr"/>
+                </a:tc>
+                <a:tc rowSpan="4">
+                  <a:txBody>
+                    <a:bodyPr/>
+                    <a:lstStyle/>
+                    <a:p>
+                      <a:pPr latinLnBrk="1"/>
+                      <a:r>
+                        <a:rPr lang="en-US" altLang="ko-KR" sz="1200" dirty="0"/>
+                        <a:t>Tags </a:t>
+                      </a:r>
+                      <a:r>
+                        <a:rPr lang="en-US" altLang="ko-KR" sz="1200" dirty="0" err="1"/>
+                        <a:t>error.type</a:t>
+                      </a:r>
+                      <a:r>
+                        <a:rPr lang="en-US" altLang="ko-KR" sz="1200" dirty="0"/>
+                        <a:t>=500</a:t>
+                      </a:r>
+                      <a:br>
+                        <a:rPr lang="en-US" altLang="ko-KR" sz="1200" dirty="0"/>
+                      </a:br>
+                      <a:r>
+                        <a:rPr lang="en-US" altLang="ko-KR" sz="1200" dirty="0"/>
+                        <a:t>Logs event: exception</a:t>
+                      </a:r>
+                      <a:endParaRPr lang="ko-KR" altLang="en-US" sz="1200" dirty="0"/>
                     </a:p>
                   </a:txBody>
                   <a:tcPr anchor="ctr"/>
@@ -4694,6 +4794,17 @@
                         </a:rPr>
                         <a:t>선택</a:t>
                       </a:r>
+                      <a:endParaRPr lang="ko-KR" altLang="en-US" sz="1200" dirty="0"/>
+                    </a:p>
+                  </a:txBody>
+                  <a:tcPr anchor="ctr"/>
+                </a:tc>
+                <a:tc vMerge="1">
+                  <a:txBody>
+                    <a:bodyPr/>
+                    <a:lstStyle/>
+                    <a:p>
+                      <a:pPr latinLnBrk="1"/>
                       <a:endParaRPr lang="ko-KR" altLang="en-US" sz="1200" dirty="0"/>
                     </a:p>
                   </a:txBody>
@@ -4844,6 +4955,17 @@
                   </a:txBody>
                   <a:tcPr anchor="ctr"/>
                 </a:tc>
+                <a:tc vMerge="1">
+                  <a:txBody>
+                    <a:bodyPr/>
+                    <a:lstStyle/>
+                    <a:p>
+                      <a:pPr latinLnBrk="1"/>
+                      <a:endParaRPr lang="ko-KR" altLang="en-US" sz="1200" dirty="0"/>
+                    </a:p>
+                  </a:txBody>
+                  <a:tcPr anchor="ctr"/>
+                </a:tc>
                 <a:tc>
                   <a:txBody>
                     <a:bodyPr/>
@@ -4967,6 +5089,16 @@
                   </a:txBody>
                   <a:tcPr anchor="ctr"/>
                 </a:tc>
+                <a:tc vMerge="1">
+                  <a:txBody>
+                    <a:bodyPr/>
+                    <a:lstStyle/>
+                    <a:p>
+                      <a:endParaRPr dirty="0"/>
+                    </a:p>
+                  </a:txBody>
+                  <a:tcPr anchor="ctr"/>
+                </a:tc>
                 <a:tc>
                   <a:txBody>
                     <a:bodyPr/>
@@ -5050,6 +5182,17 @@
                         </a:rPr>
                         <a:t>접속</a:t>
                       </a:r>
+                      <a:br>
+                        <a:rPr lang="en-US" altLang="ko-KR" sz="1200" b="0" i="0" kern="1200" dirty="0">
+                          <a:solidFill>
+                            <a:schemeClr val="dk1"/>
+                          </a:solidFill>
+                          <a:effectLst/>
+                          <a:latin typeface="+mn-lt"/>
+                          <a:ea typeface="+mn-ea"/>
+                          <a:cs typeface="+mn-cs"/>
+                        </a:rPr>
+                      </a:br>
                       <a:r>
                         <a:rPr lang="ko-KR" altLang="sv-SE" sz="1200" b="0" i="0" kern="1200" dirty="0">
                           <a:solidFill>
@@ -5157,6 +5300,70 @@
                           <a:cs typeface="+mn-cs"/>
                         </a:rPr>
                         <a:t>에러 발생 확인</a:t>
+                      </a:r>
+                      <a:endParaRPr lang="ko-KR" altLang="en-US" sz="1200" dirty="0"/>
+                    </a:p>
+                  </a:txBody>
+                  <a:tcPr anchor="ctr"/>
+                </a:tc>
+                <a:tc rowSpan="3">
+                  <a:txBody>
+                    <a:bodyPr/>
+                    <a:lstStyle/>
+                    <a:p>
+                      <a:pPr marL="0" marR="0" lvl="0" indent="0" algn="l" defTabSz="914400" rtl="0" eaLnBrk="1" fontAlgn="auto" latinLnBrk="1" hangingPunct="1">
+                        <a:lnSpc>
+                          <a:spcPct val="100000"/>
+                        </a:lnSpc>
+                        <a:spcBef>
+                          <a:spcPts val="0"/>
+                        </a:spcBef>
+                        <a:spcAft>
+                          <a:spcPts val="0"/>
+                        </a:spcAft>
+                        <a:buClrTx/>
+                        <a:buSzTx/>
+                        <a:buFontTx/>
+                        <a:buNone/>
+                        <a:tabLst/>
+                        <a:defRPr/>
+                      </a:pPr>
+                      <a:r>
+                        <a:rPr lang="en-US" altLang="ko-KR" sz="1200" dirty="0"/>
+                        <a:t>HTTP Statistics &gt; Request Count </a:t>
+                      </a:r>
+                      <a:r>
+                        <a:rPr lang="ko-KR" altLang="en-US" sz="1200" dirty="0"/>
+                        <a:t>대시보드의 </a:t>
+                      </a:r>
+                      <a:r>
+                        <a:rPr lang="en-US" altLang="ko-KR" sz="1200" dirty="0"/>
+                        <a:t>GET [500] - /user</a:t>
+                      </a:r>
+                      <a:br>
+                        <a:rPr lang="en-US" altLang="ko-KR" sz="1200" dirty="0"/>
+                      </a:br>
+                      <a:br>
+                        <a:rPr lang="en-US" altLang="ko-KR" sz="1200" dirty="0"/>
+                      </a:br>
+                      <a:r>
+                        <a:rPr lang="en-US" altLang="ko-KR" sz="1200" dirty="0"/>
+                        <a:t>Span Attributes </a:t>
+                      </a:r>
+                      <a:r>
+                        <a:rPr lang="en-US" altLang="ko-KR" sz="1200" dirty="0" err="1"/>
+                        <a:t>error.type</a:t>
+                      </a:r>
+                      <a:r>
+                        <a:rPr lang="en-US" altLang="ko-KR" sz="1200" dirty="0"/>
+                        <a:t>=500</a:t>
+                      </a:r>
+                      <a:br>
+                        <a:rPr lang="en-US" altLang="ko-KR" sz="1200" dirty="0"/>
+                      </a:br>
+                      <a:r>
+                        <a:rPr lang="en-US" altLang="ko-KR" sz="1200" dirty="0"/>
+                        <a:t>Events: event=exception</a:t>
                       </a:r>
                       <a:endParaRPr lang="ko-KR" altLang="en-US" sz="1200" dirty="0"/>
                     </a:p>
@@ -5241,6 +5448,17 @@
                   </a:txBody>
                   <a:tcPr anchor="ctr"/>
                 </a:tc>
+                <a:tc vMerge="1">
+                  <a:txBody>
+                    <a:bodyPr/>
+                    <a:lstStyle/>
+                    <a:p>
+                      <a:pPr latinLnBrk="1"/>
+                      <a:endParaRPr lang="ko-KR" altLang="en-US" sz="1200" dirty="0"/>
+                    </a:p>
+                  </a:txBody>
+                  <a:tcPr anchor="ctr"/>
+                </a:tc>
                 <a:tc>
                   <a:txBody>
                     <a:bodyPr/>
@@ -5296,6 +5514,14 @@
                         <a:t>에서 </a:t>
                       </a:r>
                       <a:r>
+                        <a:rPr lang="en-US" altLang="ko-KR" sz="1200" dirty="0"/>
+                        <a:t>Outline jaeger </a:t>
+                      </a:r>
+                      <a:r>
+                        <a:rPr lang="ko-KR" altLang="en-US" sz="1200" dirty="0"/>
+                        <a:t>선택 후 </a:t>
+                      </a:r>
+                      <a:r>
                         <a:rPr lang="en-US" altLang="ko-KR" sz="1200" dirty="0" err="1"/>
                         <a:t>traceid</a:t>
                       </a:r>
@@ -5331,6 +5557,33 @@
                         <a:rPr lang="ko-KR" altLang="en-US" sz="1200" dirty="0"/>
                         <a:t>확인</a:t>
                       </a:r>
+                    </a:p>
+                  </a:txBody>
+                  <a:tcPr anchor="ctr"/>
+                </a:tc>
+                <a:tc vMerge="1">
+                  <a:txBody>
+                    <a:bodyPr/>
+                    <a:lstStyle/>
+                    <a:p>
+                      <a:pPr marL="0" marR="0" lvl="0" indent="0" algn="l" defTabSz="914400" rtl="0" eaLnBrk="1" fontAlgn="auto" latinLnBrk="1" hangingPunct="1">
+                        <a:lnSpc>
+                          <a:spcPct val="100000"/>
+                        </a:lnSpc>
+                        <a:spcBef>
+                          <a:spcPts val="0"/>
+                        </a:spcBef>
+                        <a:spcAft>
+                          <a:spcPts val="0"/>
+                        </a:spcAft>
+                        <a:buClrTx/>
+                        <a:buSzTx/>
+                        <a:buFontTx/>
+                        <a:buNone/>
+                        <a:tabLst/>
+                        <a:defRPr/>
+                      </a:pPr>
+                      <a:endParaRPr lang="ko-KR" altLang="en-US" sz="1200" dirty="0"/>
                     </a:p>
                   </a:txBody>
                   <a:tcPr anchor="ctr"/>
@@ -6552,14 +6805,14 @@
           <p:nvPr>
             <p:extLst>
               <p:ext uri="{D42A27DB-BD31-4B8C-83A1-F6EECF244321}">
-                <p14:modId xmlns:p14="http://schemas.microsoft.com/office/powerpoint/2010/main" val="3471000575"/>
+                <p14:modId xmlns:p14="http://schemas.microsoft.com/office/powerpoint/2010/main" val="1894184542"/>
               </p:ext>
             </p:extLst>
           </p:nvPr>
         </p:nvGraphicFramePr>
         <p:xfrm>
           <a:off x="308320" y="1310489"/>
-          <a:ext cx="10936083" cy="4348480"/>
+          <a:ext cx="10936082" cy="4851400"/>
         </p:xfrm>
         <a:graphic>
           <a:graphicData uri="http://schemas.openxmlformats.org/drawingml/2006/table">
@@ -6568,28 +6821,35 @@
                 <a:tableStyleId>{5C22544A-7EE6-4342-B048-85BDC9FD1C3A}</a:tableStyleId>
               </a:tblPr>
               <a:tblGrid>
-                <a:gridCol w="2108955">
+                <a:gridCol w="1814531">
                   <a:extLst>
                     <a:ext uri="{9D8B030D-6E8A-4147-A177-3AD203B41FA5}">
                       <a16:colId xmlns:a16="http://schemas.microsoft.com/office/drawing/2014/main" val="2321351731"/>
                     </a:ext>
                   </a:extLst>
                 </a:gridCol>
-                <a:gridCol w="2888056">
+                <a:gridCol w="1674449">
                   <a:extLst>
                     <a:ext uri="{9D8B030D-6E8A-4147-A177-3AD203B41FA5}">
                       <a16:colId xmlns:a16="http://schemas.microsoft.com/office/drawing/2014/main" val="483051496"/>
                     </a:ext>
                   </a:extLst>
                 </a:gridCol>
-                <a:gridCol w="4164594">
+                <a:gridCol w="3352800">
                   <a:extLst>
                     <a:ext uri="{9D8B030D-6E8A-4147-A177-3AD203B41FA5}">
                       <a16:colId xmlns:a16="http://schemas.microsoft.com/office/drawing/2014/main" val="3150416827"/>
                     </a:ext>
                   </a:extLst>
                 </a:gridCol>
-                <a:gridCol w="1774478">
+                <a:gridCol w="2705100">
+                  <a:extLst>
+                    <a:ext uri="{9D8B030D-6E8A-4147-A177-3AD203B41FA5}">
+                      <a16:colId xmlns:a16="http://schemas.microsoft.com/office/drawing/2014/main" val="4250226340"/>
+                    </a:ext>
+                  </a:extLst>
+                </a:gridCol>
+                <a:gridCol w="1389202">
                   <a:extLst>
                     <a:ext uri="{9D8B030D-6E8A-4147-A177-3AD203B41FA5}">
                       <a16:colId xmlns:a16="http://schemas.microsoft.com/office/drawing/2014/main" val="2337665621"/>
@@ -6635,6 +6895,20 @@
                       <a:r>
                         <a:rPr lang="ko-KR" altLang="en-US" sz="1100" dirty="0"/>
                         <a:t>소분류</a:t>
+                      </a:r>
+                    </a:p>
+                  </a:txBody>
+                  <a:tcPr anchor="ctr"/>
+                </a:tc>
+                <a:tc>
+                  <a:txBody>
+                    <a:bodyPr/>
+                    <a:lstStyle/>
+                    <a:p>
+                      <a:pPr latinLnBrk="1"/>
+                      <a:r>
+                        <a:rPr lang="ko-KR" altLang="en-US" sz="1100" dirty="0"/>
+                        <a:t>예상결과</a:t>
                       </a:r>
                     </a:p>
                   </a:txBody>
@@ -6797,6 +7071,34 @@
                         </a:rPr>
                         <a:t>접속</a:t>
                       </a:r>
+                      <a:endParaRPr lang="en-US" altLang="ko-KR" sz="1100" b="0" i="0" kern="1200" dirty="0">
+                        <a:solidFill>
+                          <a:schemeClr val="dk1"/>
+                        </a:solidFill>
+                        <a:effectLst/>
+                        <a:latin typeface="+mn-lt"/>
+                        <a:ea typeface="+mn-ea"/>
+                        <a:cs typeface="+mn-cs"/>
+                      </a:endParaRPr>
+                    </a:p>
+                    <a:p>
+                      <a:pPr marL="0" marR="0" lvl="0" indent="0" algn="l" defTabSz="914400" rtl="0" eaLnBrk="1" fontAlgn="auto" latinLnBrk="1" hangingPunct="1">
+                        <a:lnSpc>
+                          <a:spcPct val="100000"/>
+                        </a:lnSpc>
+                        <a:spcBef>
+                          <a:spcPts val="0"/>
+                        </a:spcBef>
+                        <a:spcAft>
+                          <a:spcPts val="0"/>
+                        </a:spcAft>
+                        <a:buClrTx/>
+                        <a:buSzTx/>
+                        <a:buFontTx/>
+                        <a:buNone/>
+                        <a:tabLst/>
+                        <a:defRPr/>
+                      </a:pPr>
                       <a:r>
                         <a:rPr lang="ko-KR" altLang="sv-SE" sz="1100" b="0" i="0" kern="1200" dirty="0">
                           <a:solidFill>
@@ -7148,6 +7450,45 @@
                         <a:effectLst/>
                         <a:latin typeface="-apple-system"/>
                       </a:endParaRPr>
+                    </a:p>
+                  </a:txBody>
+                  <a:tcPr anchor="ctr"/>
+                </a:tc>
+                <a:tc>
+                  <a:txBody>
+                    <a:bodyPr/>
+                    <a:lstStyle/>
+                    <a:p>
+                      <a:pPr marL="0" marR="0" lvl="0" indent="0" algn="l" defTabSz="914400" rtl="0" eaLnBrk="1" fontAlgn="auto" latinLnBrk="1" hangingPunct="1">
+                        <a:lnSpc>
+                          <a:spcPct val="100000"/>
+                        </a:lnSpc>
+                        <a:spcBef>
+                          <a:spcPts val="0"/>
+                        </a:spcBef>
+                        <a:spcAft>
+                          <a:spcPts val="0"/>
+                        </a:spcAft>
+                        <a:buClrTx/>
+                        <a:buSzTx/>
+                        <a:buFontTx/>
+                        <a:buNone/>
+                        <a:tabLst/>
+                        <a:defRPr/>
+                      </a:pPr>
+                      <a:r>
+                        <a:rPr lang="en-US" altLang="ko-KR" sz="1100" dirty="0"/>
+                        <a:t>[FIRING:1] </a:t>
+                      </a:r>
+                      <a:r>
+                        <a:rPr lang="en-US" altLang="ko-KR" sz="1100" dirty="0" err="1"/>
+                        <a:t>TestAlert</a:t>
+                      </a:r>
+                      <a:r>
+                        <a:rPr lang="en-US" altLang="ko-KR" sz="1100" dirty="0"/>
+                        <a:t> Grafana</a:t>
+                      </a:r>
+                      <a:endParaRPr lang="ko-KR" altLang="en-US" sz="1100" dirty="0"/>
                     </a:p>
                   </a:txBody>
                   <a:tcPr anchor="ctr"/>
@@ -7354,6 +7695,34 @@
                         </a:rPr>
                         <a:t> </a:t>
                       </a:r>
+                      <a:endParaRPr lang="en-US" altLang="ko-KR" sz="1100" b="0" i="0" kern="1200" dirty="0">
+                        <a:solidFill>
+                          <a:schemeClr val="dk1"/>
+                        </a:solidFill>
+                        <a:effectLst/>
+                        <a:latin typeface="+mn-lt"/>
+                        <a:ea typeface="+mn-ea"/>
+                        <a:cs typeface="+mn-cs"/>
+                      </a:endParaRPr>
+                    </a:p>
+                    <a:p>
+                      <a:pPr marL="0" marR="0" lvl="0" indent="0" algn="l" defTabSz="914400" rtl="0" eaLnBrk="1" fontAlgn="auto" latinLnBrk="1" hangingPunct="1">
+                        <a:lnSpc>
+                          <a:spcPct val="100000"/>
+                        </a:lnSpc>
+                        <a:spcBef>
+                          <a:spcPts val="0"/>
+                        </a:spcBef>
+                        <a:spcAft>
+                          <a:spcPts val="0"/>
+                        </a:spcAft>
+                        <a:buClrTx/>
+                        <a:buSzTx/>
+                        <a:buFontTx/>
+                        <a:buNone/>
+                        <a:tabLst/>
+                        <a:defRPr/>
+                      </a:pPr>
                       <a:r>
                         <a:rPr lang="en-US" altLang="ko-KR" sz="1100" b="0" i="0" kern="1200" dirty="0">
                           <a:solidFill>
@@ -7446,6 +7815,20 @@
                       <a:r>
                         <a:rPr lang="ko-KR" altLang="en-US" sz="1100" b="0" dirty="0"/>
                         <a:t>대시보드에 데이터 없는 것 확인</a:t>
+                      </a:r>
+                    </a:p>
+                  </a:txBody>
+                  <a:tcPr anchor="ctr"/>
+                </a:tc>
+                <a:tc>
+                  <a:txBody>
+                    <a:bodyPr/>
+                    <a:lstStyle/>
+                    <a:p>
+                      <a:pPr latinLnBrk="1"/>
+                      <a:r>
+                        <a:rPr lang="en-US" altLang="ko-KR" sz="1100" dirty="0"/>
+                        <a:t>No data</a:t>
                       </a:r>
                     </a:p>
                   </a:txBody>
@@ -7948,6 +8331,17 @@
                     <a:lstStyle/>
                     <a:p>
                       <a:pPr latinLnBrk="1"/>
+                      <a:endParaRPr lang="ko-KR" altLang="en-US" sz="1100" dirty="0"/>
+                    </a:p>
+                  </a:txBody>
+                  <a:tcPr anchor="ctr"/>
+                </a:tc>
+                <a:tc>
+                  <a:txBody>
+                    <a:bodyPr/>
+                    <a:lstStyle/>
+                    <a:p>
+                      <a:pPr latinLnBrk="1"/>
                       <a:r>
                         <a:rPr lang="ko-KR" altLang="en-US" sz="1100" dirty="0"/>
                         <a:t>각각의 작업 완료 후</a:t>
@@ -8071,6 +8465,34 @@
                         </a:rPr>
                         <a:t>접속</a:t>
                       </a:r>
+                      <a:endParaRPr lang="en-US" altLang="ko-KR" sz="1100" b="0" i="0" kern="1200" dirty="0">
+                        <a:solidFill>
+                          <a:schemeClr val="dk1"/>
+                        </a:solidFill>
+                        <a:effectLst/>
+                        <a:latin typeface="+mn-lt"/>
+                        <a:ea typeface="+mn-ea"/>
+                        <a:cs typeface="+mn-cs"/>
+                      </a:endParaRPr>
+                    </a:p>
+                    <a:p>
+                      <a:pPr marL="0" marR="0" lvl="0" indent="0" algn="l" defTabSz="914400" rtl="0" eaLnBrk="1" fontAlgn="auto" latinLnBrk="1" hangingPunct="1">
+                        <a:lnSpc>
+                          <a:spcPct val="100000"/>
+                        </a:lnSpc>
+                        <a:spcBef>
+                          <a:spcPts val="0"/>
+                        </a:spcBef>
+                        <a:spcAft>
+                          <a:spcPts val="0"/>
+                        </a:spcAft>
+                        <a:buClrTx/>
+                        <a:buSzTx/>
+                        <a:buFontTx/>
+                        <a:buNone/>
+                        <a:tabLst/>
+                        <a:defRPr/>
+                      </a:pPr>
                       <a:r>
                         <a:rPr lang="ko-KR" altLang="sv-SE" sz="1100" b="0" i="0" kern="1200" dirty="0">
                           <a:solidFill>
@@ -8183,6 +8605,28 @@
                       <a:r>
                         <a:rPr lang="ko-KR" altLang="en-US" sz="1100" b="0" dirty="0"/>
                         <a:t>이상 확인</a:t>
+                      </a:r>
+                    </a:p>
+                  </a:txBody>
+                  <a:tcPr anchor="ctr"/>
+                </a:tc>
+                <a:tc>
+                  <a:txBody>
+                    <a:bodyPr/>
+                    <a:lstStyle/>
+                    <a:p>
+                      <a:pPr latinLnBrk="1"/>
+                      <a:r>
+                        <a:rPr lang="en-US" altLang="ko-KR" sz="1100" dirty="0"/>
+                        <a:t>CPU </a:t>
+                      </a:r>
+                      <a:r>
+                        <a:rPr lang="ko-KR" altLang="en-US" sz="1100" dirty="0"/>
+                        <a:t>사용량 </a:t>
+                      </a:r>
+                      <a:r>
+                        <a:rPr lang="en-US" altLang="ko-KR" sz="1100" dirty="0"/>
+                        <a:t>&gt; 70%</a:t>
                       </a:r>
                     </a:p>
                   </a:txBody>
@@ -8468,6 +8912,20 @@
                         <a:effectLst/>
                         <a:latin typeface="-apple-system"/>
                       </a:endParaRPr>
+                    </a:p>
+                  </a:txBody>
+                  <a:tcPr anchor="ctr"/>
+                </a:tc>
+                <a:tc>
+                  <a:txBody>
+                    <a:bodyPr/>
+                    <a:lstStyle/>
+                    <a:p>
+                      <a:pPr latinLnBrk="1"/>
+                      <a:r>
+                        <a:rPr lang="ko-KR" altLang="en-US" sz="1100" dirty="0"/>
+                        <a:t>메일 정상 수신</a:t>
+                      </a:r>
                     </a:p>
                   </a:txBody>
                   <a:tcPr anchor="ctr"/>
@@ -13376,14 +13834,14 @@
           <p:nvPr>
             <p:extLst>
               <p:ext uri="{D42A27DB-BD31-4B8C-83A1-F6EECF244321}">
-                <p14:modId xmlns:p14="http://schemas.microsoft.com/office/powerpoint/2010/main" val="2509493671"/>
+                <p14:modId xmlns:p14="http://schemas.microsoft.com/office/powerpoint/2010/main" val="2088123328"/>
               </p:ext>
             </p:extLst>
           </p:nvPr>
         </p:nvGraphicFramePr>
         <p:xfrm>
           <a:off x="308321" y="1310489"/>
-          <a:ext cx="11016905" cy="2946400"/>
+          <a:ext cx="11016905" cy="3307080"/>
         </p:xfrm>
         <a:graphic>
           <a:graphicData uri="http://schemas.openxmlformats.org/drawingml/2006/table">
@@ -13392,28 +13850,35 @@
                 <a:tableStyleId>{5C22544A-7EE6-4342-B048-85BDC9FD1C3A}</a:tableStyleId>
               </a:tblPr>
               <a:tblGrid>
-                <a:gridCol w="1987023">
+                <a:gridCol w="1822974">
                   <a:extLst>
                     <a:ext uri="{9D8B030D-6E8A-4147-A177-3AD203B41FA5}">
                       <a16:colId xmlns:a16="http://schemas.microsoft.com/office/drawing/2014/main" val="94301535"/>
                     </a:ext>
                   </a:extLst>
                 </a:gridCol>
-                <a:gridCol w="4035702">
+                <a:gridCol w="2658419">
                   <a:extLst>
                     <a:ext uri="{9D8B030D-6E8A-4147-A177-3AD203B41FA5}">
                       <a16:colId xmlns:a16="http://schemas.microsoft.com/office/drawing/2014/main" val="3041877668"/>
                     </a:ext>
                   </a:extLst>
                 </a:gridCol>
-                <a:gridCol w="4002771">
+                <a:gridCol w="3643086">
                   <a:extLst>
                     <a:ext uri="{9D8B030D-6E8A-4147-A177-3AD203B41FA5}">
                       <a16:colId xmlns:a16="http://schemas.microsoft.com/office/drawing/2014/main" val="3150416827"/>
                     </a:ext>
                   </a:extLst>
                 </a:gridCol>
-                <a:gridCol w="991409">
+                <a:gridCol w="1982868">
+                  <a:extLst>
+                    <a:ext uri="{9D8B030D-6E8A-4147-A177-3AD203B41FA5}">
+                      <a16:colId xmlns:a16="http://schemas.microsoft.com/office/drawing/2014/main" val="812216456"/>
+                    </a:ext>
+                  </a:extLst>
+                </a:gridCol>
+                <a:gridCol w="909558">
                   <a:extLst>
                     <a:ext uri="{9D8B030D-6E8A-4147-A177-3AD203B41FA5}">
                       <a16:colId xmlns:a16="http://schemas.microsoft.com/office/drawing/2014/main" val="2337665621"/>
@@ -13459,6 +13924,20 @@
                       <a:r>
                         <a:rPr lang="ko-KR" altLang="en-US" sz="1200" dirty="0"/>
                         <a:t>소분류</a:t>
+                      </a:r>
+                    </a:p>
+                  </a:txBody>
+                  <a:tcPr anchor="ctr"/>
+                </a:tc>
+                <a:tc>
+                  <a:txBody>
+                    <a:bodyPr/>
+                    <a:lstStyle/>
+                    <a:p>
+                      <a:pPr latinLnBrk="1"/>
+                      <a:r>
+                        <a:rPr lang="ko-KR" altLang="en-US" sz="1200" dirty="0"/>
+                        <a:t>예상결과</a:t>
                       </a:r>
                     </a:p>
                   </a:txBody>
@@ -13545,6 +14024,32 @@
                         </a:rPr>
                         <a:t>호출 </a:t>
                       </a:r>
+                      <a:endParaRPr lang="en-US" altLang="ko-KR" sz="1200" b="0" i="0" dirty="0">
+                        <a:solidFill>
+                          <a:srgbClr val="1F2328"/>
+                        </a:solidFill>
+                        <a:effectLst/>
+                        <a:latin typeface="-apple-system"/>
+                      </a:endParaRPr>
+                    </a:p>
+                    <a:p>
+                      <a:pPr marL="0" marR="0" lvl="0" indent="0" algn="l" defTabSz="914400" rtl="0" eaLnBrk="1" fontAlgn="auto" latinLnBrk="1" hangingPunct="1">
+                        <a:lnSpc>
+                          <a:spcPct val="100000"/>
+                        </a:lnSpc>
+                        <a:spcBef>
+                          <a:spcPts val="0"/>
+                        </a:spcBef>
+                        <a:spcAft>
+                          <a:spcPts val="0"/>
+                        </a:spcAft>
+                        <a:buClrTx/>
+                        <a:buSzTx/>
+                        <a:buFontTx/>
+                        <a:buNone/>
+                        <a:tabLst/>
+                        <a:defRPr/>
+                      </a:pPr>
                       <a:r>
                         <a:rPr lang="en-US" altLang="ko-KR" sz="1200" b="0" i="0" dirty="0">
                           <a:solidFill>
@@ -13639,6 +14144,21 @@
                     <a:lstStyle/>
                     <a:p>
                       <a:pPr latinLnBrk="1"/>
+                      <a:r>
+                        <a:rPr lang="en-US" altLang="ko-KR" sz="1200" dirty="0"/>
+                        <a:t>True</a:t>
+                      </a:r>
+                      <a:endParaRPr lang="ko-KR" altLang="en-US" sz="1200" dirty="0"/>
+                    </a:p>
+                  </a:txBody>
+                  <a:tcPr anchor="ctr"/>
+                </a:tc>
+                <a:tc>
+                  <a:txBody>
+                    <a:bodyPr/>
+                    <a:lstStyle/>
+                    <a:p>
+                      <a:pPr latinLnBrk="1"/>
                       <a:endParaRPr lang="ko-KR" altLang="en-US" sz="1200" dirty="0"/>
                     </a:p>
                   </a:txBody>
@@ -13651,7 +14171,7 @@
                 </a:extLst>
               </a:tr>
               <a:tr h="370840">
-                <a:tc rowSpan="4">
+                <a:tc rowSpan="5">
                   <a:txBody>
                     <a:bodyPr/>
                     <a:lstStyle/>
@@ -13709,7 +14229,47 @@
                           <a:ea typeface="+mn-ea"/>
                           <a:cs typeface="+mn-cs"/>
                         </a:rPr>
-                        <a:t>접속 </a:t>
+                        <a:t>접속</a:t>
+                      </a:r>
+                      <a:endParaRPr lang="en-US" altLang="ko-KR" sz="1200" b="0" i="0" kern="1200" dirty="0">
+                        <a:solidFill>
+                          <a:schemeClr val="dk1"/>
+                        </a:solidFill>
+                        <a:effectLst/>
+                        <a:latin typeface="+mn-lt"/>
+                        <a:ea typeface="+mn-ea"/>
+                        <a:cs typeface="+mn-cs"/>
+                      </a:endParaRPr>
+                    </a:p>
+                    <a:p>
+                      <a:pPr marL="0" marR="0" lvl="0" indent="0" algn="l" defTabSz="914400" rtl="0" eaLnBrk="1" fontAlgn="auto" latinLnBrk="1" hangingPunct="1">
+                        <a:lnSpc>
+                          <a:spcPct val="100000"/>
+                        </a:lnSpc>
+                        <a:spcBef>
+                          <a:spcPts val="0"/>
+                        </a:spcBef>
+                        <a:spcAft>
+                          <a:spcPts val="0"/>
+                        </a:spcAft>
+                        <a:buClrTx/>
+                        <a:buSzTx/>
+                        <a:buFontTx/>
+                        <a:buNone/>
+                        <a:tabLst/>
+                        <a:defRPr/>
+                      </a:pPr>
+                      <a:r>
+                        <a:rPr lang="ko-KR" altLang="sv-SE" sz="1200" b="0" i="0" kern="1200" dirty="0">
+                          <a:solidFill>
+                            <a:schemeClr val="dk1"/>
+                          </a:solidFill>
+                          <a:effectLst/>
+                          <a:latin typeface="+mn-lt"/>
+                          <a:ea typeface="+mn-ea"/>
+                          <a:cs typeface="+mn-cs"/>
+                        </a:rPr>
+                        <a:t> </a:t>
                       </a:r>
                       <a:r>
                         <a:rPr lang="en-US" altLang="ko-KR" sz="1200" b="0" i="0" kern="1200" dirty="0">
@@ -13910,6 +14470,21 @@
                         <a:ea typeface="+mn-ea"/>
                         <a:cs typeface="+mn-cs"/>
                       </a:endParaRPr>
+                    </a:p>
+                  </a:txBody>
+                  <a:tcPr anchor="ctr"/>
+                </a:tc>
+                <a:tc rowSpan="3">
+                  <a:txBody>
+                    <a:bodyPr/>
+                    <a:lstStyle/>
+                    <a:p>
+                      <a:pPr latinLnBrk="1"/>
+                      <a:r>
+                        <a:rPr lang="en-US" altLang="ko-KR" sz="1200" dirty="0"/>
+                        <a:t>Duration Time &gt;9s</a:t>
+                      </a:r>
+                      <a:endParaRPr lang="ko-KR" altLang="en-US" sz="1200" dirty="0"/>
                     </a:p>
                   </a:txBody>
                   <a:tcPr anchor="ctr"/>
@@ -14059,6 +14634,17 @@
                   </a:txBody>
                   <a:tcPr anchor="ctr"/>
                 </a:tc>
+                <a:tc vMerge="1">
+                  <a:txBody>
+                    <a:bodyPr/>
+                    <a:lstStyle/>
+                    <a:p>
+                      <a:pPr latinLnBrk="1"/>
+                      <a:endParaRPr lang="ko-KR" altLang="en-US" sz="1200" dirty="0"/>
+                    </a:p>
+                  </a:txBody>
+                  <a:tcPr anchor="ctr"/>
+                </a:tc>
                 <a:tc>
                   <a:txBody>
                     <a:bodyPr/>
@@ -14158,6 +14744,16 @@
                   </a:txBody>
                   <a:tcPr anchor="ctr"/>
                 </a:tc>
+                <a:tc vMerge="1">
+                  <a:txBody>
+                    <a:bodyPr/>
+                    <a:lstStyle/>
+                    <a:p>
+                      <a:endParaRPr dirty="0"/>
+                    </a:p>
+                  </a:txBody>
+                  <a:tcPr anchor="ctr"/>
+                </a:tc>
                 <a:tc>
                   <a:txBody>
                     <a:bodyPr/>
@@ -14187,7 +14783,7 @@
                   </a:txBody>
                   <a:tcPr anchor="ctr"/>
                 </a:tc>
-                <a:tc>
+                <a:tc rowSpan="2">
                   <a:txBody>
                     <a:bodyPr/>
                     <a:lstStyle/>
@@ -14241,6 +14837,18 @@
                         </a:rPr>
                         <a:t>접속</a:t>
                       </a:r>
+                      <a:endParaRPr lang="en-US" altLang="ko-KR" sz="1200" b="0" i="0" kern="1200" dirty="0">
+                        <a:solidFill>
+                          <a:schemeClr val="dk1"/>
+                        </a:solidFill>
+                        <a:effectLst/>
+                        <a:latin typeface="+mn-lt"/>
+                        <a:ea typeface="+mn-ea"/>
+                        <a:cs typeface="+mn-cs"/>
+                      </a:endParaRPr>
+                    </a:p>
+                    <a:p>
+                      <a:pPr latinLnBrk="1"/>
                       <a:r>
                         <a:rPr lang="ko-KR" altLang="sv-SE" sz="1200" b="0" i="0" kern="1200" dirty="0">
                           <a:solidFill>
@@ -14344,17 +14952,20 @@
                         <a:t>)</a:t>
                       </a:r>
                     </a:p>
+                  </a:txBody>
+                  <a:tcPr anchor="ctr"/>
+                </a:tc>
+                <a:tc rowSpan="2">
+                  <a:txBody>
+                    <a:bodyPr/>
+                    <a:lstStyle/>
                     <a:p>
                       <a:pPr latinLnBrk="1"/>
                       <a:r>
-                        <a:rPr lang="en-US" altLang="ko-KR" sz="1200" b="0" dirty="0"/>
-                        <a:t>3.2 </a:t>
-                      </a:r>
-                      <a:r>
-                        <a:rPr lang="ko-KR" altLang="en-US" sz="1200" b="0" dirty="0"/>
-                        <a:t>서비스 지연 시간 확인</a:t>
-                      </a:r>
-                      <a:endParaRPr lang="en-US" altLang="ko-KR" sz="1200" b="0" dirty="0"/>
+                        <a:rPr lang="en-US" altLang="ko-KR" sz="1200" dirty="0"/>
+                        <a:t>Duration Time &gt;9s</a:t>
+                      </a:r>
+                      <a:endParaRPr lang="ko-KR" altLang="en-US" sz="1200" dirty="0"/>
                     </a:p>
                   </a:txBody>
                   <a:tcPr anchor="ctr"/>
@@ -14373,6 +14984,99 @@
                 <a:extLst>
                   <a:ext uri="{0D108BD9-81ED-4DB2-BD59-A6C34878D82A}">
                     <a16:rowId xmlns:a16="http://schemas.microsoft.com/office/drawing/2014/main" val="2550868101"/>
+                  </a:ext>
+                </a:extLst>
+              </a:tr>
+              <a:tr h="370840">
+                <a:tc vMerge="1">
+                  <a:txBody>
+                    <a:bodyPr/>
+                    <a:lstStyle/>
+                    <a:p>
+                      <a:pPr latinLnBrk="1"/>
+                      <a:endParaRPr lang="ko-KR" altLang="en-US" sz="1200" dirty="0"/>
+                    </a:p>
+                  </a:txBody>
+                  <a:tcPr anchor="ctr"/>
+                </a:tc>
+                <a:tc vMerge="1">
+                  <a:txBody>
+                    <a:bodyPr/>
+                    <a:lstStyle/>
+                    <a:p>
+                      <a:pPr latinLnBrk="1"/>
+                      <a:endParaRPr lang="ko-KR" altLang="en-US" sz="1200" dirty="0"/>
+                    </a:p>
+                  </a:txBody>
+                  <a:tcPr anchor="ctr"/>
+                </a:tc>
+                <a:tc>
+                  <a:txBody>
+                    <a:bodyPr/>
+                    <a:lstStyle/>
+                    <a:p>
+                      <a:pPr marL="0" marR="0" lvl="0" indent="0" algn="l" defTabSz="914400" rtl="0" eaLnBrk="1" fontAlgn="auto" latinLnBrk="1" hangingPunct="1">
+                        <a:lnSpc>
+                          <a:spcPct val="100000"/>
+                        </a:lnSpc>
+                        <a:spcBef>
+                          <a:spcPts val="0"/>
+                        </a:spcBef>
+                        <a:spcAft>
+                          <a:spcPts val="0"/>
+                        </a:spcAft>
+                        <a:buClrTx/>
+                        <a:buSzTx/>
+                        <a:buFontTx/>
+                        <a:buNone/>
+                        <a:tabLst/>
+                        <a:defRPr/>
+                      </a:pPr>
+                      <a:r>
+                        <a:rPr lang="en-US" altLang="ko-KR" sz="1200" b="0" dirty="0"/>
+                        <a:t>3.2 Duration </a:t>
+                      </a:r>
+                      <a:r>
+                        <a:rPr lang="en-US" altLang="ko-KR" sz="1200" b="0" dirty="0" err="1"/>
+                        <a:t>Tiem</a:t>
+                      </a:r>
+                      <a:r>
+                        <a:rPr lang="en-US" altLang="ko-KR" sz="1200" b="0" dirty="0"/>
+                        <a:t> </a:t>
+                      </a:r>
+                      <a:r>
+                        <a:rPr lang="ko-KR" altLang="en-US" sz="1200" b="0" dirty="0"/>
+                        <a:t>대시보드의 서비스 지연 시간 확인</a:t>
+                      </a:r>
+                      <a:endParaRPr lang="en-US" altLang="ko-KR" sz="1200" b="0" dirty="0"/>
+                    </a:p>
+                  </a:txBody>
+                  <a:tcPr anchor="ctr"/>
+                </a:tc>
+                <a:tc vMerge="1">
+                  <a:txBody>
+                    <a:bodyPr/>
+                    <a:lstStyle/>
+                    <a:p>
+                      <a:endParaRPr dirty="0"/>
+                    </a:p>
+                  </a:txBody>
+                  <a:tcPr anchor="ctr"/>
+                </a:tc>
+                <a:tc>
+                  <a:txBody>
+                    <a:bodyPr/>
+                    <a:lstStyle/>
+                    <a:p>
+                      <a:pPr latinLnBrk="1"/>
+                      <a:endParaRPr lang="ko-KR" altLang="en-US" sz="1200" dirty="0"/>
+                    </a:p>
+                  </a:txBody>
+                  <a:tcPr anchor="ctr"/>
+                </a:tc>
+                <a:extLst>
+                  <a:ext uri="{0D108BD9-81ED-4DB2-BD59-A6C34878D82A}">
+                    <a16:rowId xmlns:a16="http://schemas.microsoft.com/office/drawing/2014/main" val="4257019417"/>
                   </a:ext>
                 </a:extLst>
               </a:tr>
